--- a/doc/section4.pptx
+++ b/doc/section4.pptx
@@ -34,16 +34,18 @@
     <p:sldId id="295" r:id="rId28"/>
     <p:sldId id="294" r:id="rId29"/>
     <p:sldId id="286" r:id="rId30"/>
-    <p:sldId id="296" r:id="rId31"/>
-    <p:sldId id="261" r:id="rId32"/>
-    <p:sldId id="262" r:id="rId33"/>
-    <p:sldId id="288" r:id="rId34"/>
-    <p:sldId id="291" r:id="rId35"/>
-    <p:sldId id="298" r:id="rId36"/>
-    <p:sldId id="297" r:id="rId37"/>
-    <p:sldId id="299" r:id="rId38"/>
-    <p:sldId id="263" r:id="rId39"/>
-    <p:sldId id="264" r:id="rId40"/>
+    <p:sldId id="301" r:id="rId31"/>
+    <p:sldId id="296" r:id="rId32"/>
+    <p:sldId id="302" r:id="rId33"/>
+    <p:sldId id="261" r:id="rId34"/>
+    <p:sldId id="262" r:id="rId35"/>
+    <p:sldId id="288" r:id="rId36"/>
+    <p:sldId id="291" r:id="rId37"/>
+    <p:sldId id="298" r:id="rId38"/>
+    <p:sldId id="297" r:id="rId39"/>
+    <p:sldId id="299" r:id="rId40"/>
+    <p:sldId id="263" r:id="rId41"/>
+    <p:sldId id="264" r:id="rId42"/>
   </p:sldIdLst>
   <p:sldSz cx="9144000" cy="6858000" type="screen4x3"/>
   <p:notesSz cx="6858000" cy="9144000"/>
@@ -326,7 +328,7 @@
           <a:p>
             <a:fld id="{28B28045-1694-A845-BEE3-E8FD789618E8}" type="datetimeFigureOut">
               <a:rPr lang="en-US" smtClean="0"/>
-              <a:t>4/15/13</a:t>
+              <a:t>4/17/13</a:t>
             </a:fld>
             <a:endParaRPr lang="en-US"/>
           </a:p>
@@ -496,7 +498,7 @@
           <a:p>
             <a:fld id="{28B28045-1694-A845-BEE3-E8FD789618E8}" type="datetimeFigureOut">
               <a:rPr lang="en-US" smtClean="0"/>
-              <a:t>4/15/13</a:t>
+              <a:t>4/17/13</a:t>
             </a:fld>
             <a:endParaRPr lang="en-US"/>
           </a:p>
@@ -676,7 +678,7 @@
           <a:p>
             <a:fld id="{28B28045-1694-A845-BEE3-E8FD789618E8}" type="datetimeFigureOut">
               <a:rPr lang="en-US" smtClean="0"/>
-              <a:t>4/15/13</a:t>
+              <a:t>4/17/13</a:t>
             </a:fld>
             <a:endParaRPr lang="en-US"/>
           </a:p>
@@ -846,7 +848,7 @@
           <a:p>
             <a:fld id="{28B28045-1694-A845-BEE3-E8FD789618E8}" type="datetimeFigureOut">
               <a:rPr lang="en-US" smtClean="0"/>
-              <a:t>4/15/13</a:t>
+              <a:t>4/17/13</a:t>
             </a:fld>
             <a:endParaRPr lang="en-US"/>
           </a:p>
@@ -1092,7 +1094,7 @@
           <a:p>
             <a:fld id="{28B28045-1694-A845-BEE3-E8FD789618E8}" type="datetimeFigureOut">
               <a:rPr lang="en-US" smtClean="0"/>
-              <a:t>4/15/13</a:t>
+              <a:t>4/17/13</a:t>
             </a:fld>
             <a:endParaRPr lang="en-US"/>
           </a:p>
@@ -1380,7 +1382,7 @@
           <a:p>
             <a:fld id="{28B28045-1694-A845-BEE3-E8FD789618E8}" type="datetimeFigureOut">
               <a:rPr lang="en-US" smtClean="0"/>
-              <a:t>4/15/13</a:t>
+              <a:t>4/17/13</a:t>
             </a:fld>
             <a:endParaRPr lang="en-US"/>
           </a:p>
@@ -1802,7 +1804,7 @@
           <a:p>
             <a:fld id="{28B28045-1694-A845-BEE3-E8FD789618E8}" type="datetimeFigureOut">
               <a:rPr lang="en-US" smtClean="0"/>
-              <a:t>4/15/13</a:t>
+              <a:t>4/17/13</a:t>
             </a:fld>
             <a:endParaRPr lang="en-US"/>
           </a:p>
@@ -1920,7 +1922,7 @@
           <a:p>
             <a:fld id="{28B28045-1694-A845-BEE3-E8FD789618E8}" type="datetimeFigureOut">
               <a:rPr lang="en-US" smtClean="0"/>
-              <a:t>4/15/13</a:t>
+              <a:t>4/17/13</a:t>
             </a:fld>
             <a:endParaRPr lang="en-US"/>
           </a:p>
@@ -2015,7 +2017,7 @@
           <a:p>
             <a:fld id="{28B28045-1694-A845-BEE3-E8FD789618E8}" type="datetimeFigureOut">
               <a:rPr lang="en-US" smtClean="0"/>
-              <a:t>4/15/13</a:t>
+              <a:t>4/17/13</a:t>
             </a:fld>
             <a:endParaRPr lang="en-US"/>
           </a:p>
@@ -2292,7 +2294,7 @@
           <a:p>
             <a:fld id="{28B28045-1694-A845-BEE3-E8FD789618E8}" type="datetimeFigureOut">
               <a:rPr lang="en-US" smtClean="0"/>
-              <a:t>4/15/13</a:t>
+              <a:t>4/17/13</a:t>
             </a:fld>
             <a:endParaRPr lang="en-US"/>
           </a:p>
@@ -2545,7 +2547,7 @@
           <a:p>
             <a:fld id="{28B28045-1694-A845-BEE3-E8FD789618E8}" type="datetimeFigureOut">
               <a:rPr lang="en-US" smtClean="0"/>
-              <a:t>4/15/13</a:t>
+              <a:t>4/17/13</a:t>
             </a:fld>
             <a:endParaRPr lang="en-US"/>
           </a:p>
@@ -2758,7 +2760,7 @@
           <a:p>
             <a:fld id="{28B28045-1694-A845-BEE3-E8FD789618E8}" type="datetimeFigureOut">
               <a:rPr lang="en-US" smtClean="0"/>
-              <a:t>4/15/13</a:t>
+              <a:t>4/17/13</a:t>
             </a:fld>
             <a:endParaRPr lang="en-US"/>
           </a:p>
@@ -3293,7 +3295,7 @@
           <p:nvPr>
             <p:extLst>
               <p:ext uri="{D42A27DB-BD31-4B8C-83A1-F6EECF244321}">
-                <p14:modId xmlns:p14="http://schemas.microsoft.com/office/powerpoint/2010/main" val="3990831925"/>
+                <p14:modId xmlns:p14="http://schemas.microsoft.com/office/powerpoint/2010/main" val="4099212301"/>
               </p:ext>
             </p:extLst>
           </p:nvPr>
@@ -3576,7 +3578,7 @@
                       </a:r>
                       <a:r>
                         <a:rPr lang="en-US" dirty="0" smtClean="0"/>
-                        <a:t>og(3/2)</a:t>
+                        <a:t>og(2/3)</a:t>
                       </a:r>
                       <a:endParaRPr lang="en-US" dirty="0"/>
                     </a:p>
@@ -3590,7 +3592,7 @@
                     <a:p>
                       <a:r>
                         <a:rPr lang="en-US" dirty="0" smtClean="0"/>
-                        <a:t>33/33 * log(3/2)</a:t>
+                        <a:t>33/33 * log(2/3)</a:t>
                       </a:r>
                       <a:endParaRPr lang="en-US" dirty="0"/>
                     </a:p>
@@ -3604,7 +3606,7 @@
                     <a:p>
                       <a:r>
                         <a:rPr lang="en-US" dirty="0" smtClean="0"/>
-                        <a:t>0/33 * log(3/2)</a:t>
+                        <a:t>0/33 * log(2/3)</a:t>
                       </a:r>
                       <a:endParaRPr lang="en-US" dirty="0"/>
                     </a:p>
@@ -3678,7 +3680,7 @@
                     <a:p>
                       <a:r>
                         <a:rPr lang="en-US" dirty="0" smtClean="0"/>
-                        <a:t>0/33 * log(3/2)</a:t>
+                        <a:t>0/33 * log(2/3)</a:t>
                       </a:r>
                       <a:endParaRPr lang="en-US" dirty="0"/>
                     </a:p>
@@ -3696,7 +3698,15 @@
                       </a:r>
                       <a:r>
                         <a:rPr lang="en-US" baseline="0" dirty="0" smtClean="0"/>
-                        <a:t> * log(3/2)</a:t>
+                        <a:t> * log(</a:t>
+                      </a:r>
+                      <a:r>
+                        <a:rPr lang="en-US" dirty="0" smtClean="0"/>
+                        <a:t>2/3</a:t>
+                      </a:r>
+                      <a:r>
+                        <a:rPr lang="en-US" baseline="0" dirty="0" smtClean="0"/>
+                        <a:t>)</a:t>
                       </a:r>
                       <a:endParaRPr lang="en-US" dirty="0"/>
                     </a:p>
@@ -3710,7 +3720,7 @@
                     <a:p>
                       <a:r>
                         <a:rPr lang="en-US" dirty="0" smtClean="0"/>
-                        <a:t>29/33 * log(3/2)</a:t>
+                        <a:t>29/33 * log(2/3)</a:t>
                       </a:r>
                       <a:endParaRPr lang="en-US" dirty="0"/>
                     </a:p>
@@ -3790,7 +3800,7 @@
                     <a:p>
                       <a:r>
                         <a:rPr lang="en-US" dirty="0" smtClean="0"/>
-                        <a:t>14/17 * log(3/2)</a:t>
+                        <a:t>14/17 * log(2/3)</a:t>
                       </a:r>
                       <a:endParaRPr lang="en-US" dirty="0"/>
                     </a:p>
@@ -3808,7 +3818,15 @@
                       </a:r>
                       <a:r>
                         <a:rPr lang="en-US" baseline="0" dirty="0" smtClean="0"/>
-                        <a:t> * log(3/2)</a:t>
+                        <a:t> * log(</a:t>
+                      </a:r>
+                      <a:r>
+                        <a:rPr lang="en-US" dirty="0" smtClean="0"/>
+                        <a:t>2/3</a:t>
+                      </a:r>
+                      <a:r>
+                        <a:rPr lang="en-US" baseline="0" dirty="0" smtClean="0"/>
+                        <a:t>)</a:t>
                       </a:r>
                       <a:endParaRPr lang="en-US" dirty="0"/>
                     </a:p>
@@ -3826,7 +3844,15 @@
                       </a:r>
                       <a:r>
                         <a:rPr lang="en-US" baseline="0" dirty="0" smtClean="0"/>
-                        <a:t> * log(3/2)</a:t>
+                        <a:t> * log(</a:t>
+                      </a:r>
+                      <a:r>
+                        <a:rPr lang="en-US" dirty="0" smtClean="0"/>
+                        <a:t>2/3</a:t>
+                      </a:r>
+                      <a:r>
+                        <a:rPr lang="en-US" baseline="0" dirty="0" smtClean="0"/>
+                        <a:t>)</a:t>
                       </a:r>
                       <a:endParaRPr lang="en-US" dirty="0"/>
                     </a:p>
@@ -6078,11 +6104,7 @@
           <a:p>
             <a:r>
               <a:rPr lang="en-US" dirty="0" smtClean="0"/>
-              <a:t>TF-</a:t>
-            </a:r>
-            <a:r>
-              <a:rPr lang="en-US" dirty="0" smtClean="0"/>
-              <a:t>IDF in Cascading</a:t>
+              <a:t>TF-IDF in Cascading</a:t>
             </a:r>
             <a:br>
               <a:rPr lang="en-US" dirty="0" smtClean="0"/>
@@ -6261,7 +6283,6 @@
               <a:rPr lang="en-US" dirty="0"/>
               <a:t>/intro-to-data-science-for-enterprise-big-data</a:t>
             </a:r>
-            <a:endParaRPr lang="en-US" dirty="0"/>
           </a:p>
         </p:txBody>
       </p:sp>
@@ -6412,7 +6433,6 @@
               <a:rPr lang="en-US" dirty="0"/>
               <a:t>/intro-to-data-science-for-enterprise-big-data</a:t>
             </a:r>
-            <a:endParaRPr lang="en-US" dirty="0"/>
           </a:p>
         </p:txBody>
       </p:sp>
@@ -6426,6 +6446,13 @@
   <p:clrMapOvr>
     <a:masterClrMapping/>
   </p:clrMapOvr>
+  <p:timing>
+    <p:tnLst>
+      <p:par>
+        <p:cTn xmlns:p14="http://schemas.microsoft.com/office/powerpoint/2010/main" id="1" dur="indefinite" restart="never" nodeType="tmRoot"/>
+      </p:par>
+    </p:tnLst>
+  </p:timing>
 </p:sld>
 </file>
 
@@ -6556,7 +6583,6 @@
               <a:rPr lang="en-US" dirty="0"/>
               <a:t>/intro-to-data-science-for-enterprise-big-data</a:t>
             </a:r>
-            <a:endParaRPr lang="en-US" dirty="0"/>
           </a:p>
         </p:txBody>
       </p:sp>
@@ -6570,6 +6596,13 @@
   <p:clrMapOvr>
     <a:masterClrMapping/>
   </p:clrMapOvr>
+  <p:timing>
+    <p:tnLst>
+      <p:par>
+        <p:cTn xmlns:p14="http://schemas.microsoft.com/office/powerpoint/2010/main" id="1" dur="indefinite" restart="never" nodeType="tmRoot"/>
+      </p:par>
+    </p:tnLst>
+  </p:timing>
 </p:sld>
 </file>
 
@@ -6700,7 +6733,6 @@
               <a:rPr lang="en-US" dirty="0"/>
               <a:t>/intro-to-data-science-for-enterprise-big-data</a:t>
             </a:r>
-            <a:endParaRPr lang="en-US" dirty="0"/>
           </a:p>
         </p:txBody>
       </p:sp>
@@ -6714,6 +6746,13 @@
   <p:clrMapOvr>
     <a:masterClrMapping/>
   </p:clrMapOvr>
+  <p:timing>
+    <p:tnLst>
+      <p:par>
+        <p:cTn xmlns:p14="http://schemas.microsoft.com/office/powerpoint/2010/main" id="1" dur="indefinite" restart="never" nodeType="tmRoot"/>
+      </p:par>
+    </p:tnLst>
+  </p:timing>
 </p:sld>
 </file>
 
@@ -6844,7 +6883,6 @@
               <a:rPr lang="en-US" dirty="0"/>
               <a:t>/intro-to-data-science-for-enterprise-big-data</a:t>
             </a:r>
-            <a:endParaRPr lang="en-US" dirty="0"/>
           </a:p>
         </p:txBody>
       </p:sp>
@@ -6995,7 +7033,6 @@
               <a:rPr lang="en-US" dirty="0"/>
               <a:t>/intro-to-data-science-for-enterprise-big-data</a:t>
             </a:r>
-            <a:endParaRPr lang="en-US" dirty="0"/>
           </a:p>
         </p:txBody>
       </p:sp>
@@ -7487,6 +7524,13 @@
   <p:clrMapOvr>
     <a:masterClrMapping/>
   </p:clrMapOvr>
+  <p:timing>
+    <p:tnLst>
+      <p:par>
+        <p:cTn xmlns:p14="http://schemas.microsoft.com/office/powerpoint/2010/main" id="1" dur="indefinite" restart="never" nodeType="tmRoot"/>
+      </p:par>
+    </p:tnLst>
+  </p:timing>
 </p:sld>
 </file>
 
@@ -7775,6 +7819,13 @@
   <p:clrMapOvr>
     <a:masterClrMapping/>
   </p:clrMapOvr>
+  <p:timing>
+    <p:tnLst>
+      <p:par>
+        <p:cTn xmlns:p14="http://schemas.microsoft.com/office/powerpoint/2010/main" id="1" dur="indefinite" restart="never" nodeType="tmRoot"/>
+      </p:par>
+    </p:tnLst>
+  </p:timing>
 </p:sld>
 </file>
 
@@ -7894,11 +7945,7 @@
           <a:p>
             <a:r>
               <a:rPr lang="en-US" dirty="0" smtClean="0"/>
-              <a:t>Health – Emergency Room triage.  Does this patient need to be </a:t>
-            </a:r>
-            <a:r>
-              <a:rPr lang="en-US" smtClean="0"/>
-              <a:t>seen immediately?</a:t>
+              <a:t>Health – Emergency Room triage.  Does this patient need to be seen immediately?</a:t>
             </a:r>
             <a:endParaRPr lang="en-US" dirty="0"/>
           </a:p>
@@ -7914,6 +7961,13 @@
   <p:clrMapOvr>
     <a:masterClrMapping/>
   </p:clrMapOvr>
+  <p:timing>
+    <p:tnLst>
+      <p:par>
+        <p:cTn xmlns:p14="http://schemas.microsoft.com/office/powerpoint/2010/main" id="1" dur="indefinite" restart="never" nodeType="tmRoot"/>
+      </p:par>
+    </p:tnLst>
+  </p:timing>
 </p:sld>
 </file>
 
@@ -12469,7 +12523,7 @@
 </file>
 
 <file path=ppt/slides/slide29.xml><?xml version="1.0" encoding="utf-8"?>
-<p:sld xmlns:a="http://schemas.openxmlformats.org/drawingml/2006/main" xmlns:r="http://schemas.openxmlformats.org/officeDocument/2006/relationships" xmlns:p="http://schemas.openxmlformats.org/presentationml/2006/main">
+<p:sld xmlns:a="http://schemas.openxmlformats.org/drawingml/2006/main" xmlns:r="http://schemas.openxmlformats.org/officeDocument/2006/relationships" xmlns:p="http://schemas.openxmlformats.org/presentationml/2006/main" show="0">
   <p:cSld>
     <p:spTree>
       <p:nvGrpSpPr>
@@ -12641,6 +12695,14 @@
   <p:clrMapOvr>
     <a:masterClrMapping/>
   </p:clrMapOvr>
+  <mc:AlternateContent xmlns:mc="http://schemas.openxmlformats.org/markup-compatibility/2006">
+    <mc:Choice xmlns:p14="http://schemas.microsoft.com/office/powerpoint/2010/main" Requires="p14">
+      <p:transition spd="slow" p14:dur="2000"/>
+    </mc:Choice>
+    <mc:Fallback>
+      <p:transition xmlns:p14="http://schemas.microsoft.com/office/powerpoint/2010/main" spd="slow"/>
+    </mc:Fallback>
+  </mc:AlternateContent>
   <p:timing>
     <p:tnLst>
       <p:par>
@@ -12744,7 +12806,7 @@
           <a:bodyPr/>
           <a:lstStyle/>
           <a:p>
-            <a:endParaRPr lang="en-US" dirty="0"/>
+            <a:endParaRPr lang="en-US"/>
           </a:p>
         </p:txBody>
       </p:sp>
@@ -12763,30 +12825,44 @@
           <a:bodyPr/>
           <a:lstStyle/>
           <a:p>
-            <a:r>
-              <a:rPr lang="en-US" dirty="0" smtClean="0"/>
-              <a:t>Neural Networks</a:t>
-            </a:r>
-          </a:p>
-          <a:p>
-            <a:r>
-              <a:rPr lang="en-US" dirty="0" smtClean="0"/>
-              <a:t>Naïve Bayesian Classifiers</a:t>
-            </a:r>
-          </a:p>
-          <a:p>
-            <a:r>
-              <a:rPr lang="en-US" dirty="0" smtClean="0"/>
-              <a:t>Support Vector Machines</a:t>
-            </a:r>
-            <a:endParaRPr lang="en-US" dirty="0"/>
-          </a:p>
-        </p:txBody>
-      </p:sp>
+            <a:endParaRPr lang="en-US"/>
+          </a:p>
+        </p:txBody>
+      </p:sp>
+      <p:pic>
+        <p:nvPicPr>
+          <p:cNvPr id="4" name="Picture 3" descr="Screen Shot 2013-04-17 at 10.14.12 AM.png"/>
+          <p:cNvPicPr>
+            <a:picLocks noChangeAspect="1"/>
+          </p:cNvPicPr>
+          <p:nvPr/>
+        </p:nvPicPr>
+        <p:blipFill>
+          <a:blip r:embed="rId2">
+            <a:extLst>
+              <a:ext uri="{28A0092B-C50C-407E-A947-70E740481C1C}">
+                <a14:useLocalDpi xmlns:a14="http://schemas.microsoft.com/office/drawing/2010/main" val="0"/>
+              </a:ext>
+            </a:extLst>
+          </a:blip>
+          <a:stretch>
+            <a:fillRect/>
+          </a:stretch>
+        </p:blipFill>
+        <p:spPr>
+          <a:xfrm>
+            <a:off x="0" y="477672"/>
+            <a:ext cx="9144000" cy="6380328"/>
+          </a:xfrm>
+          <a:prstGeom prst="rect">
+            <a:avLst/>
+          </a:prstGeom>
+        </p:spPr>
+      </p:pic>
     </p:spTree>
     <p:extLst>
       <p:ext uri="{BB962C8B-B14F-4D97-AF65-F5344CB8AC3E}">
-        <p14:creationId xmlns:p14="http://schemas.microsoft.com/office/powerpoint/2010/main" val="1377421838"/>
+        <p14:creationId xmlns:p14="http://schemas.microsoft.com/office/powerpoint/2010/main" val="1564529097"/>
       </p:ext>
     </p:extLst>
   </p:cSld>
@@ -12820,7 +12896,7 @@
             <a:spLocks noGrp="1"/>
           </p:cNvSpPr>
           <p:nvPr>
-            <p:ph type="ctrTitle"/>
+            <p:ph type="title"/>
           </p:nvPr>
         </p:nvSpPr>
         <p:spPr/>
@@ -12834,12 +12910,12 @@
       </p:sp>
       <p:sp>
         <p:nvSpPr>
-          <p:cNvPr id="3" name="Subtitle 2"/>
+          <p:cNvPr id="3" name="Content Placeholder 2"/>
           <p:cNvSpPr>
             <a:spLocks noGrp="1"/>
           </p:cNvSpPr>
           <p:nvPr>
-            <p:ph type="subTitle" idx="1"/>
+            <p:ph idx="1"/>
           </p:nvPr>
         </p:nvSpPr>
         <p:spPr/>
@@ -12847,58 +12923,24 @@
           <a:bodyPr/>
           <a:lstStyle/>
           <a:p>
+            <a:r>
+              <a:rPr lang="en-US" dirty="0" smtClean="0"/>
+              <a:t>Naïve Bayesian Classifiers</a:t>
+            </a:r>
+          </a:p>
+          <a:p>
+            <a:r>
+              <a:rPr lang="en-US" dirty="0" smtClean="0"/>
+              <a:t>Support Vector Machines</a:t>
+            </a:r>
             <a:endParaRPr lang="en-US" dirty="0"/>
-          </a:p>
-        </p:txBody>
-      </p:sp>
-      <p:sp>
-        <p:nvSpPr>
-          <p:cNvPr id="4" name="Rectangle 3"/>
-          <p:cNvSpPr/>
-          <p:nvPr/>
-        </p:nvSpPr>
-        <p:spPr>
-          <a:xfrm>
-            <a:off x="0" y="0"/>
-            <a:ext cx="9144000" cy="6858000"/>
-          </a:xfrm>
-          <a:prstGeom prst="rect">
-            <a:avLst/>
-          </a:prstGeom>
-          <a:solidFill>
-            <a:schemeClr val="tx1"/>
-          </a:solidFill>
-          <a:ln>
-            <a:noFill/>
-          </a:ln>
-        </p:spPr>
-        <p:style>
-          <a:lnRef idx="1">
-            <a:schemeClr val="accent1"/>
-          </a:lnRef>
-          <a:fillRef idx="3">
-            <a:schemeClr val="accent1"/>
-          </a:fillRef>
-          <a:effectRef idx="2">
-            <a:schemeClr val="accent1"/>
-          </a:effectRef>
-          <a:fontRef idx="minor">
-            <a:schemeClr val="lt1"/>
-          </a:fontRef>
-        </p:style>
-        <p:txBody>
-          <a:bodyPr rtlCol="0" anchor="ctr"/>
-          <a:lstStyle/>
-          <a:p>
-            <a:pPr algn="ctr"/>
-            <a:endParaRPr lang="en-US"/>
           </a:p>
         </p:txBody>
       </p:sp>
     </p:spTree>
     <p:extLst>
       <p:ext uri="{BB962C8B-B14F-4D97-AF65-F5344CB8AC3E}">
-        <p14:creationId xmlns:p14="http://schemas.microsoft.com/office/powerpoint/2010/main" val="3622294910"/>
+        <p14:creationId xmlns:p14="http://schemas.microsoft.com/office/powerpoint/2010/main" val="1377421838"/>
       </p:ext>
     </p:extLst>
   </p:cSld>
@@ -12934,7 +12976,7 @@
       </p:grpSpPr>
       <p:sp>
         <p:nvSpPr>
-          <p:cNvPr id="4" name="Title 3"/>
+          <p:cNvPr id="2" name="Title 1"/>
           <p:cNvSpPr>
             <a:spLocks noGrp="1"/>
           </p:cNvSpPr>
@@ -12947,96 +12989,13 @@
           <a:bodyPr/>
           <a:lstStyle/>
           <a:p>
-            <a:r>
-              <a:rPr lang="en-US" dirty="0" smtClean="0"/>
-              <a:t>Naïve Bayes</a:t>
-            </a:r>
-            <a:endParaRPr lang="en-US" dirty="0"/>
-          </a:p>
-        </p:txBody>
-      </p:sp>
-      <p:sp>
-        <p:nvSpPr>
-          <p:cNvPr id="5" name="Text Placeholder 4"/>
-          <p:cNvSpPr>
-            <a:spLocks noGrp="1"/>
-          </p:cNvSpPr>
-          <p:nvPr>
-            <p:ph type="body" idx="1"/>
-          </p:nvPr>
-        </p:nvSpPr>
-        <p:spPr/>
-        <p:txBody>
-          <a:bodyPr/>
-          <a:lstStyle/>
-          <a:p>
-            <a:endParaRPr lang="en-US" dirty="0"/>
-          </a:p>
-        </p:txBody>
-      </p:sp>
-    </p:spTree>
-    <p:extLst>
-      <p:ext uri="{BB962C8B-B14F-4D97-AF65-F5344CB8AC3E}">
-        <p14:creationId xmlns:p14="http://schemas.microsoft.com/office/powerpoint/2010/main" val="276199230"/>
-      </p:ext>
-    </p:extLst>
-  </p:cSld>
-  <p:clrMapOvr>
-    <a:masterClrMapping/>
-  </p:clrMapOvr>
-  <p:timing>
-    <p:tnLst>
-      <p:par>
-        <p:cTn xmlns:p14="http://schemas.microsoft.com/office/powerpoint/2010/main" id="1" dur="indefinite" restart="never" nodeType="tmRoot"/>
-      </p:par>
-    </p:tnLst>
-  </p:timing>
-</p:sld>
-</file>
-
-<file path=ppt/slides/slide33.xml><?xml version="1.0" encoding="utf-8"?>
-<p:sld xmlns:a="http://schemas.openxmlformats.org/drawingml/2006/main" xmlns:r="http://schemas.openxmlformats.org/officeDocument/2006/relationships" xmlns:p="http://schemas.openxmlformats.org/presentationml/2006/main">
-  <p:cSld>
-    <p:spTree>
-      <p:nvGrpSpPr>
-        <p:cNvPr id="1" name=""/>
-        <p:cNvGrpSpPr/>
-        <p:nvPr/>
-      </p:nvGrpSpPr>
-      <p:grpSpPr>
-        <a:xfrm>
-          <a:off x="0" y="0"/>
-          <a:ext cx="0" cy="0"/>
-          <a:chOff x="0" y="0"/>
-          <a:chExt cx="0" cy="0"/>
-        </a:xfrm>
-      </p:grpSpPr>
-      <p:sp>
-        <p:nvSpPr>
-          <p:cNvPr id="4" name="Title 3"/>
-          <p:cNvSpPr>
-            <a:spLocks noGrp="1"/>
-          </p:cNvSpPr>
-          <p:nvPr>
-            <p:ph type="title"/>
-          </p:nvPr>
-        </p:nvSpPr>
-        <p:spPr/>
-        <p:txBody>
-          <a:bodyPr/>
-          <a:lstStyle/>
-          <a:p>
-            <a:r>
-              <a:rPr lang="en-US" dirty="0" smtClean="0"/>
-              <a:t>What is it?</a:t>
-            </a:r>
-            <a:endParaRPr lang="en-US" dirty="0"/>
-          </a:p>
-        </p:txBody>
-      </p:sp>
-      <p:sp>
-        <p:nvSpPr>
-          <p:cNvPr id="5" name="Content Placeholder 4"/>
+            <a:endParaRPr lang="en-US"/>
+          </a:p>
+        </p:txBody>
+      </p:sp>
+      <p:sp>
+        <p:nvSpPr>
+          <p:cNvPr id="3" name="Content Placeholder 2"/>
           <p:cNvSpPr>
             <a:spLocks noGrp="1"/>
           </p:cNvSpPr>
@@ -13049,80 +13008,44 @@
           <a:bodyPr/>
           <a:lstStyle/>
           <a:p>
-            <a:r>
-              <a:rPr lang="en-US" dirty="0" smtClean="0"/>
-              <a:t>A non-linear classifier that</a:t>
-            </a:r>
-          </a:p>
-          <a:p>
-            <a:pPr lvl="1"/>
-            <a:r>
-              <a:rPr lang="en-US" dirty="0" smtClean="0"/>
-              <a:t>Can train on a small # of observations</a:t>
-            </a:r>
-          </a:p>
-          <a:p>
-            <a:pPr lvl="1"/>
-            <a:r>
-              <a:rPr lang="en-US" dirty="0" smtClean="0"/>
-              <a:t>Assumes independence between features</a:t>
-            </a:r>
-          </a:p>
-          <a:p>
-            <a:pPr lvl="1"/>
-            <a:r>
-              <a:rPr lang="en-US" dirty="0" smtClean="0"/>
-              <a:t>Simple to implement</a:t>
-            </a:r>
-          </a:p>
-        </p:txBody>
-      </p:sp>
-      <p:sp>
-        <p:nvSpPr>
-          <p:cNvPr id="6" name="TextBox 5"/>
-          <p:cNvSpPr txBox="1"/>
+            <a:endParaRPr lang="en-US"/>
+          </a:p>
+        </p:txBody>
+      </p:sp>
+      <p:pic>
+        <p:nvPicPr>
+          <p:cNvPr id="4" name="Picture 3" descr="Screen Shot 2013-04-17 at 10.15.06 AM.png"/>
+          <p:cNvPicPr>
+            <a:picLocks noChangeAspect="1"/>
+          </p:cNvPicPr>
           <p:nvPr/>
-        </p:nvSpPr>
+        </p:nvPicPr>
+        <p:blipFill>
+          <a:blip r:embed="rId2">
+            <a:extLst>
+              <a:ext uri="{28A0092B-C50C-407E-A947-70E740481C1C}">
+                <a14:useLocalDpi xmlns:a14="http://schemas.microsoft.com/office/drawing/2010/main" val="0"/>
+              </a:ext>
+            </a:extLst>
+          </a:blip>
+          <a:stretch>
+            <a:fillRect/>
+          </a:stretch>
+        </p:blipFill>
         <p:spPr>
           <a:xfrm>
-            <a:off x="0" y="6488668"/>
-            <a:ext cx="4121641" cy="369332"/>
+            <a:off x="0" y="0"/>
+            <a:ext cx="9144000" cy="6341533"/>
           </a:xfrm>
           <a:prstGeom prst="rect">
             <a:avLst/>
           </a:prstGeom>
-          <a:noFill/>
         </p:spPr>
-        <p:txBody>
-          <a:bodyPr wrap="none" rtlCol="0">
-            <a:spAutoFit/>
-          </a:bodyPr>
-          <a:lstStyle/>
-          <a:p>
-            <a:r>
-              <a:rPr lang="en-US" dirty="0"/>
-              <a:t>http://</a:t>
-            </a:r>
-            <a:r>
-              <a:rPr lang="en-US" dirty="0" err="1"/>
-              <a:t>en.wikipedia.org</a:t>
-            </a:r>
-            <a:r>
-              <a:rPr lang="en-US" dirty="0"/>
-              <a:t>/wiki/</a:t>
-            </a:r>
-            <a:r>
-              <a:rPr lang="en-US" dirty="0" err="1"/>
-              <a:t>Naive_Bayes</a:t>
-            </a:r>
-            <a:endParaRPr lang="en-US" dirty="0"/>
-          </a:p>
-        </p:txBody>
-      </p:sp>
+      </p:pic>
     </p:spTree>
     <p:extLst>
       <p:ext uri="{BB962C8B-B14F-4D97-AF65-F5344CB8AC3E}">
-        <p14:creationId xmlns:p14="http://schemas.microsoft.com/office/powerpoint/2010/main" val="774447092"/>
+        <p14:creationId xmlns:p14="http://schemas.microsoft.com/office/powerpoint/2010/main" val="1199060989"/>
       </p:ext>
     </p:extLst>
   </p:cSld>
@@ -13132,528 +13055,7 @@
 </p:sld>
 </file>
 
-<file path=ppt/slides/slide34.xml><?xml version="1.0" encoding="utf-8"?>
-<p:sld xmlns:a="http://schemas.openxmlformats.org/drawingml/2006/main" xmlns:r="http://schemas.openxmlformats.org/officeDocument/2006/relationships" xmlns:p="http://schemas.openxmlformats.org/presentationml/2006/main">
-  <p:cSld>
-    <p:spTree>
-      <p:nvGrpSpPr>
-        <p:cNvPr id="1" name=""/>
-        <p:cNvGrpSpPr/>
-        <p:nvPr/>
-      </p:nvGrpSpPr>
-      <p:grpSpPr>
-        <a:xfrm>
-          <a:off x="0" y="0"/>
-          <a:ext cx="0" cy="0"/>
-          <a:chOff x="0" y="0"/>
-          <a:chExt cx="0" cy="0"/>
-        </a:xfrm>
-      </p:grpSpPr>
-      <p:sp>
-        <p:nvSpPr>
-          <p:cNvPr id="2" name="Title 1"/>
-          <p:cNvSpPr>
-            <a:spLocks noGrp="1"/>
-          </p:cNvSpPr>
-          <p:nvPr>
-            <p:ph type="title"/>
-          </p:nvPr>
-        </p:nvSpPr>
-        <p:spPr/>
-        <p:txBody>
-          <a:bodyPr/>
-          <a:lstStyle/>
-          <a:p>
-            <a:r>
-              <a:rPr lang="en-US" dirty="0" smtClean="0"/>
-              <a:t>Applications</a:t>
-            </a:r>
-            <a:endParaRPr lang="en-US" dirty="0"/>
-          </a:p>
-        </p:txBody>
-      </p:sp>
-      <p:sp>
-        <p:nvSpPr>
-          <p:cNvPr id="3" name="Content Placeholder 2"/>
-          <p:cNvSpPr>
-            <a:spLocks noGrp="1"/>
-          </p:cNvSpPr>
-          <p:nvPr>
-            <p:ph idx="1"/>
-          </p:nvPr>
-        </p:nvSpPr>
-        <p:spPr/>
-        <p:txBody>
-          <a:bodyPr/>
-          <a:lstStyle/>
-          <a:p>
-            <a:r>
-              <a:rPr lang="en-US" dirty="0"/>
-              <a:t>Typically </a:t>
-            </a:r>
-            <a:r>
-              <a:rPr lang="en-US" i="1" dirty="0"/>
-              <a:t>K</a:t>
-            </a:r>
-            <a:r>
-              <a:rPr lang="en-US" dirty="0"/>
-              <a:t>=2-class classifiers</a:t>
-            </a:r>
-          </a:p>
-          <a:p>
-            <a:pPr lvl="1"/>
-            <a:r>
-              <a:rPr lang="en-US" i="1" dirty="0"/>
-              <a:t>K</a:t>
-            </a:r>
-            <a:r>
-              <a:rPr lang="en-US" dirty="0"/>
-              <a:t>&gt;2 possible</a:t>
-            </a:r>
-          </a:p>
-          <a:p>
-            <a:r>
-              <a:rPr lang="en-US" dirty="0"/>
-              <a:t>E.g.</a:t>
-            </a:r>
-          </a:p>
-          <a:p>
-            <a:pPr lvl="1"/>
-            <a:r>
-              <a:rPr lang="en-US" dirty="0"/>
-              <a:t>Spam vs. Non-spam</a:t>
-            </a:r>
-          </a:p>
-          <a:p>
-            <a:pPr lvl="1"/>
-            <a:r>
-              <a:rPr lang="en-US" dirty="0"/>
-              <a:t>Female vs. Male</a:t>
-            </a:r>
-          </a:p>
-          <a:p>
-            <a:pPr lvl="1"/>
-            <a:endParaRPr lang="en-US" dirty="0"/>
-          </a:p>
-          <a:p>
-            <a:endParaRPr lang="en-US" dirty="0"/>
-          </a:p>
-        </p:txBody>
-      </p:sp>
-    </p:spTree>
-    <p:extLst>
-      <p:ext uri="{BB962C8B-B14F-4D97-AF65-F5344CB8AC3E}">
-        <p14:creationId xmlns:p14="http://schemas.microsoft.com/office/powerpoint/2010/main" val="2440559901"/>
-      </p:ext>
-    </p:extLst>
-  </p:cSld>
-  <p:clrMapOvr>
-    <a:masterClrMapping/>
-  </p:clrMapOvr>
-</p:sld>
-</file>
-
-<file path=ppt/slides/slide35.xml><?xml version="1.0" encoding="utf-8"?>
-<p:sld xmlns:a="http://schemas.openxmlformats.org/drawingml/2006/main" xmlns:r="http://schemas.openxmlformats.org/officeDocument/2006/relationships" xmlns:p="http://schemas.openxmlformats.org/presentationml/2006/main">
-  <p:cSld>
-    <p:spTree>
-      <p:nvGrpSpPr>
-        <p:cNvPr id="1" name=""/>
-        <p:cNvGrpSpPr/>
-        <p:nvPr/>
-      </p:nvGrpSpPr>
-      <p:grpSpPr>
-        <a:xfrm>
-          <a:off x="0" y="0"/>
-          <a:ext cx="0" cy="0"/>
-          <a:chOff x="0" y="0"/>
-          <a:chExt cx="0" cy="0"/>
-        </a:xfrm>
-      </p:grpSpPr>
-      <p:sp>
-        <p:nvSpPr>
-          <p:cNvPr id="2" name="Title 1"/>
-          <p:cNvSpPr>
-            <a:spLocks noGrp="1"/>
-          </p:cNvSpPr>
-          <p:nvPr>
-            <p:ph type="title"/>
-          </p:nvPr>
-        </p:nvSpPr>
-        <p:spPr/>
-        <p:txBody>
-          <a:bodyPr/>
-          <a:lstStyle/>
-          <a:p>
-            <a:r>
-              <a:rPr lang="en-US" dirty="0" smtClean="0"/>
-              <a:t>Prior vs. Posterior Probabilities</a:t>
-            </a:r>
-            <a:endParaRPr lang="en-US" dirty="0"/>
-          </a:p>
-        </p:txBody>
-      </p:sp>
-      <p:sp>
-        <p:nvSpPr>
-          <p:cNvPr id="3" name="Content Placeholder 2"/>
-          <p:cNvSpPr>
-            <a:spLocks noGrp="1"/>
-          </p:cNvSpPr>
-          <p:nvPr>
-            <p:ph idx="1"/>
-          </p:nvPr>
-        </p:nvSpPr>
-        <p:spPr/>
-        <p:txBody>
-          <a:bodyPr/>
-          <a:lstStyle/>
-          <a:p>
-            <a:r>
-              <a:rPr lang="en-US" dirty="0" smtClean="0"/>
-              <a:t>Description vs. Prediction</a:t>
-            </a:r>
-            <a:endParaRPr lang="en-US" dirty="0"/>
-          </a:p>
-        </p:txBody>
-      </p:sp>
-    </p:spTree>
-    <p:extLst>
-      <p:ext uri="{BB962C8B-B14F-4D97-AF65-F5344CB8AC3E}">
-        <p14:creationId xmlns:p14="http://schemas.microsoft.com/office/powerpoint/2010/main" val="962200997"/>
-      </p:ext>
-    </p:extLst>
-  </p:cSld>
-  <p:clrMapOvr>
-    <a:masterClrMapping/>
-  </p:clrMapOvr>
-</p:sld>
-</file>
-
-<file path=ppt/slides/slide36.xml><?xml version="1.0" encoding="utf-8"?>
-<p:sld xmlns:a="http://schemas.openxmlformats.org/drawingml/2006/main" xmlns:r="http://schemas.openxmlformats.org/officeDocument/2006/relationships" xmlns:p="http://schemas.openxmlformats.org/presentationml/2006/main">
-  <p:cSld>
-    <p:spTree>
-      <p:nvGrpSpPr>
-        <p:cNvPr id="1" name=""/>
-        <p:cNvGrpSpPr/>
-        <p:nvPr/>
-      </p:nvGrpSpPr>
-      <p:grpSpPr>
-        <a:xfrm>
-          <a:off x="0" y="0"/>
-          <a:ext cx="0" cy="0"/>
-          <a:chOff x="0" y="0"/>
-          <a:chExt cx="0" cy="0"/>
-        </a:xfrm>
-      </p:grpSpPr>
-      <p:sp>
-        <p:nvSpPr>
-          <p:cNvPr id="4" name="Title 3"/>
-          <p:cNvSpPr>
-            <a:spLocks noGrp="1"/>
-          </p:cNvSpPr>
-          <p:nvPr>
-            <p:ph type="title"/>
-          </p:nvPr>
-        </p:nvSpPr>
-        <p:spPr/>
-        <p:txBody>
-          <a:bodyPr/>
-          <a:lstStyle/>
-          <a:p>
-            <a:r>
-              <a:rPr lang="en-US" dirty="0" smtClean="0"/>
-              <a:t>How does it work?</a:t>
-            </a:r>
-            <a:endParaRPr lang="en-US" dirty="0"/>
-          </a:p>
-        </p:txBody>
-      </p:sp>
-      <p:sp>
-        <p:nvSpPr>
-          <p:cNvPr id="5" name="Content Placeholder 4"/>
-          <p:cNvSpPr>
-            <a:spLocks noGrp="1"/>
-          </p:cNvSpPr>
-          <p:nvPr>
-            <p:ph idx="1"/>
-          </p:nvPr>
-        </p:nvSpPr>
-        <p:spPr/>
-        <p:txBody>
-          <a:bodyPr>
-            <a:normAutofit/>
-          </a:bodyPr>
-          <a:lstStyle/>
-          <a:p>
-            <a:r>
-              <a:rPr lang="en-US" dirty="0" smtClean="0"/>
-              <a:t>Given the prior probability of a class </a:t>
-            </a:r>
-            <a:r>
-              <a:rPr lang="en-US" i="1" dirty="0" smtClean="0"/>
-              <a:t>k</a:t>
-            </a:r>
-            <a:r>
-              <a:rPr lang="en-US" dirty="0" smtClean="0"/>
-              <a:t> in </a:t>
-            </a:r>
-            <a:r>
-              <a:rPr lang="en-US" i="1" dirty="0" smtClean="0"/>
-              <a:t>K</a:t>
-            </a:r>
-            <a:endParaRPr lang="en-US" dirty="0" smtClean="0"/>
-          </a:p>
-          <a:p>
-            <a:r>
-              <a:rPr lang="en-US" dirty="0" smtClean="0"/>
-              <a:t>…the prior probabilities of </a:t>
-            </a:r>
-            <a:r>
-              <a:rPr lang="en-US" i="1" dirty="0" smtClean="0"/>
-              <a:t>N</a:t>
-            </a:r>
-            <a:r>
-              <a:rPr lang="en-US" dirty="0" smtClean="0"/>
-              <a:t> object features</a:t>
-            </a:r>
-          </a:p>
-          <a:p>
-            <a:r>
-              <a:rPr lang="en-US" dirty="0" smtClean="0"/>
-              <a:t>…and their associations with </a:t>
-            </a:r>
-            <a:r>
-              <a:rPr lang="en-US" i="1" dirty="0" smtClean="0"/>
-              <a:t>k</a:t>
-            </a:r>
-          </a:p>
-          <a:p>
-            <a:r>
-              <a:rPr lang="en-US" dirty="0" smtClean="0"/>
-              <a:t>Calculate the posterior probability that a given object belongs to class </a:t>
-            </a:r>
-            <a:r>
-              <a:rPr lang="en-US" i="1" dirty="0" smtClean="0"/>
-              <a:t>k</a:t>
-            </a:r>
-          </a:p>
-          <a:p>
-            <a:endParaRPr lang="en-US" dirty="0" smtClean="0"/>
-          </a:p>
-          <a:p>
-            <a:r>
-              <a:rPr lang="en-US" dirty="0" smtClean="0"/>
-              <a:t>Easier to work through an example?</a:t>
-            </a:r>
-          </a:p>
-          <a:p>
-            <a:pPr lvl="1"/>
-            <a:r>
-              <a:rPr lang="en-US" dirty="0">
-                <a:hlinkClick r:id="rId2"/>
-              </a:rPr>
-              <a:t>http://bit.ly/</a:t>
-            </a:r>
-            <a:r>
-              <a:rPr lang="en-US" dirty="0" smtClean="0">
-                <a:hlinkClick r:id="rId2"/>
-              </a:rPr>
-              <a:t>10alkWY</a:t>
-            </a:r>
-            <a:endParaRPr lang="en-US" dirty="0" smtClean="0"/>
-          </a:p>
-          <a:p>
-            <a:pPr lvl="1"/>
-            <a:endParaRPr lang="en-US" dirty="0" smtClean="0"/>
-          </a:p>
-        </p:txBody>
-      </p:sp>
-      <p:sp>
-        <p:nvSpPr>
-          <p:cNvPr id="6" name="TextBox 5"/>
-          <p:cNvSpPr txBox="1"/>
-          <p:nvPr/>
-        </p:nvSpPr>
-        <p:spPr>
-          <a:xfrm>
-            <a:off x="0" y="6488668"/>
-            <a:ext cx="4121641" cy="369332"/>
-          </a:xfrm>
-          <a:prstGeom prst="rect">
-            <a:avLst/>
-          </a:prstGeom>
-          <a:noFill/>
-        </p:spPr>
-        <p:txBody>
-          <a:bodyPr wrap="none" rtlCol="0">
-            <a:spAutoFit/>
-          </a:bodyPr>
-          <a:lstStyle/>
-          <a:p>
-            <a:r>
-              <a:rPr lang="en-US" dirty="0"/>
-              <a:t>http://</a:t>
-            </a:r>
-            <a:r>
-              <a:rPr lang="en-US" dirty="0" err="1"/>
-              <a:t>en.wikipedia.org</a:t>
-            </a:r>
-            <a:r>
-              <a:rPr lang="en-US" dirty="0"/>
-              <a:t>/wiki/</a:t>
-            </a:r>
-            <a:r>
-              <a:rPr lang="en-US" dirty="0" err="1"/>
-              <a:t>Naive_Bayes</a:t>
-            </a:r>
-            <a:endParaRPr lang="en-US" dirty="0"/>
-          </a:p>
-        </p:txBody>
-      </p:sp>
-    </p:spTree>
-    <p:extLst>
-      <p:ext uri="{BB962C8B-B14F-4D97-AF65-F5344CB8AC3E}">
-        <p14:creationId xmlns:p14="http://schemas.microsoft.com/office/powerpoint/2010/main" val="1604246178"/>
-      </p:ext>
-    </p:extLst>
-  </p:cSld>
-  <p:clrMapOvr>
-    <a:masterClrMapping/>
-  </p:clrMapOvr>
-</p:sld>
-</file>
-
-<file path=ppt/slides/slide37.xml><?xml version="1.0" encoding="utf-8"?>
-<p:sld xmlns:a="http://schemas.openxmlformats.org/drawingml/2006/main" xmlns:r="http://schemas.openxmlformats.org/officeDocument/2006/relationships" xmlns:p="http://schemas.openxmlformats.org/presentationml/2006/main">
-  <p:cSld>
-    <p:spTree>
-      <p:nvGrpSpPr>
-        <p:cNvPr id="1" name=""/>
-        <p:cNvGrpSpPr/>
-        <p:nvPr/>
-      </p:nvGrpSpPr>
-      <p:grpSpPr>
-        <a:xfrm>
-          <a:off x="0" y="0"/>
-          <a:ext cx="0" cy="0"/>
-          <a:chOff x="0" y="0"/>
-          <a:chExt cx="0" cy="0"/>
-        </a:xfrm>
-      </p:grpSpPr>
-      <p:sp>
-        <p:nvSpPr>
-          <p:cNvPr id="4" name="Title 3"/>
-          <p:cNvSpPr>
-            <a:spLocks noGrp="1"/>
-          </p:cNvSpPr>
-          <p:nvPr>
-            <p:ph type="title"/>
-          </p:nvPr>
-        </p:nvSpPr>
-        <p:spPr/>
-        <p:txBody>
-          <a:bodyPr/>
-          <a:lstStyle/>
-          <a:p>
-            <a:r>
-              <a:rPr lang="en-US" dirty="0" smtClean="0"/>
-              <a:t>How does it work?</a:t>
-            </a:r>
-            <a:endParaRPr lang="en-US" dirty="0"/>
-          </a:p>
-        </p:txBody>
-      </p:sp>
-      <p:sp>
-        <p:nvSpPr>
-          <p:cNvPr id="5" name="Content Placeholder 4"/>
-          <p:cNvSpPr>
-            <a:spLocks noGrp="1"/>
-          </p:cNvSpPr>
-          <p:nvPr>
-            <p:ph idx="1"/>
-          </p:nvPr>
-        </p:nvSpPr>
-        <p:spPr/>
-        <p:txBody>
-          <a:bodyPr>
-            <a:normAutofit/>
-          </a:bodyPr>
-          <a:lstStyle/>
-          <a:p>
-            <a:r>
-              <a:rPr lang="en-US" dirty="0" smtClean="0"/>
-              <a:t>Train vs. Test</a:t>
-            </a:r>
-          </a:p>
-          <a:p>
-            <a:r>
-              <a:rPr lang="en-US" dirty="0" smtClean="0"/>
-              <a:t>ROC</a:t>
-            </a:r>
-          </a:p>
-          <a:p>
-            <a:pPr lvl="1"/>
-            <a:endParaRPr lang="en-US" dirty="0" smtClean="0"/>
-          </a:p>
-        </p:txBody>
-      </p:sp>
-      <p:sp>
-        <p:nvSpPr>
-          <p:cNvPr id="6" name="TextBox 5"/>
-          <p:cNvSpPr txBox="1"/>
-          <p:nvPr/>
-        </p:nvSpPr>
-        <p:spPr>
-          <a:xfrm>
-            <a:off x="0" y="6488668"/>
-            <a:ext cx="4121641" cy="369332"/>
-          </a:xfrm>
-          <a:prstGeom prst="rect">
-            <a:avLst/>
-          </a:prstGeom>
-          <a:noFill/>
-        </p:spPr>
-        <p:txBody>
-          <a:bodyPr wrap="none" rtlCol="0">
-            <a:spAutoFit/>
-          </a:bodyPr>
-          <a:lstStyle/>
-          <a:p>
-            <a:r>
-              <a:rPr lang="en-US" dirty="0"/>
-              <a:t>http://</a:t>
-            </a:r>
-            <a:r>
-              <a:rPr lang="en-US" dirty="0" err="1"/>
-              <a:t>en.wikipedia.org</a:t>
-            </a:r>
-            <a:r>
-              <a:rPr lang="en-US" dirty="0"/>
-              <a:t>/wiki/</a:t>
-            </a:r>
-            <a:r>
-              <a:rPr lang="en-US" dirty="0" err="1"/>
-              <a:t>Naive_Bayes</a:t>
-            </a:r>
-            <a:endParaRPr lang="en-US" dirty="0"/>
-          </a:p>
-        </p:txBody>
-      </p:sp>
-    </p:spTree>
-    <p:extLst>
-      <p:ext uri="{BB962C8B-B14F-4D97-AF65-F5344CB8AC3E}">
-        <p14:creationId xmlns:p14="http://schemas.microsoft.com/office/powerpoint/2010/main" val="451405282"/>
-      </p:ext>
-    </p:extLst>
-  </p:cSld>
-  <p:clrMapOvr>
-    <a:masterClrMapping/>
-  </p:clrMapOvr>
-</p:sld>
-</file>
-
-<file path=ppt/slides/slide38.xml><?xml version="1.0" encoding="utf-8"?>
+<file path=ppt/slides/slide33.xml><?xml version="1.0" encoding="utf-8"?>
 <p:sld xmlns:a="http://schemas.openxmlformats.org/drawingml/2006/main" xmlns:r="http://schemas.openxmlformats.org/officeDocument/2006/relationships" xmlns:p="http://schemas.openxmlformats.org/presentationml/2006/main">
   <p:cSld>
     <p:spTree>
@@ -13755,7 +13157,7 @@
     </p:spTree>
     <p:extLst>
       <p:ext uri="{BB962C8B-B14F-4D97-AF65-F5344CB8AC3E}">
-        <p14:creationId xmlns:p14="http://schemas.microsoft.com/office/powerpoint/2010/main" val="906365120"/>
+        <p14:creationId xmlns:p14="http://schemas.microsoft.com/office/powerpoint/2010/main" val="3622294910"/>
       </p:ext>
     </p:extLst>
   </p:cSld>
@@ -13772,8 +13174,8 @@
 </p:sld>
 </file>
 
-<file path=ppt/slides/slide39.xml><?xml version="1.0" encoding="utf-8"?>
-<p:sld xmlns:a="http://schemas.openxmlformats.org/drawingml/2006/main" xmlns:r="http://schemas.openxmlformats.org/officeDocument/2006/relationships" xmlns:p="http://schemas.openxmlformats.org/presentationml/2006/main" show="0">
+<file path=ppt/slides/slide34.xml><?xml version="1.0" encoding="utf-8"?>
+<p:sld xmlns:a="http://schemas.openxmlformats.org/drawingml/2006/main" xmlns:r="http://schemas.openxmlformats.org/officeDocument/2006/relationships" xmlns:p="http://schemas.openxmlformats.org/presentationml/2006/main">
   <p:cSld>
     <p:spTree>
       <p:nvGrpSpPr>
@@ -13806,7 +13208,7 @@
           <a:p>
             <a:r>
               <a:rPr lang="en-US" dirty="0" smtClean="0"/>
-              <a:t>Hierarchical Clustering</a:t>
+              <a:t>Naïve Bayes</a:t>
             </a:r>
             <a:endParaRPr lang="en-US" dirty="0"/>
           </a:p>
@@ -13834,21 +13236,13 @@
     </p:spTree>
     <p:extLst>
       <p:ext uri="{BB962C8B-B14F-4D97-AF65-F5344CB8AC3E}">
-        <p14:creationId xmlns:p14="http://schemas.microsoft.com/office/powerpoint/2010/main" val="369323475"/>
+        <p14:creationId xmlns:p14="http://schemas.microsoft.com/office/powerpoint/2010/main" val="276199230"/>
       </p:ext>
     </p:extLst>
   </p:cSld>
   <p:clrMapOvr>
     <a:masterClrMapping/>
   </p:clrMapOvr>
-  <mc:AlternateContent xmlns:mc="http://schemas.openxmlformats.org/markup-compatibility/2006">
-    <mc:Choice xmlns:p14="http://schemas.microsoft.com/office/powerpoint/2010/main" Requires="p14">
-      <p:transition spd="slow" p14:dur="2000"/>
-    </mc:Choice>
-    <mc:Fallback>
-      <p:transition xmlns:p14="http://schemas.microsoft.com/office/powerpoint/2010/main" spd="slow"/>
-    </mc:Fallback>
-  </mc:AlternateContent>
   <p:timing>
     <p:tnLst>
       <p:par>
@@ -13856,6 +13250,678 @@
       </p:par>
     </p:tnLst>
   </p:timing>
+</p:sld>
+</file>
+
+<file path=ppt/slides/slide35.xml><?xml version="1.0" encoding="utf-8"?>
+<p:sld xmlns:a="http://schemas.openxmlformats.org/drawingml/2006/main" xmlns:r="http://schemas.openxmlformats.org/officeDocument/2006/relationships" xmlns:p="http://schemas.openxmlformats.org/presentationml/2006/main">
+  <p:cSld>
+    <p:spTree>
+      <p:nvGrpSpPr>
+        <p:cNvPr id="1" name=""/>
+        <p:cNvGrpSpPr/>
+        <p:nvPr/>
+      </p:nvGrpSpPr>
+      <p:grpSpPr>
+        <a:xfrm>
+          <a:off x="0" y="0"/>
+          <a:ext cx="0" cy="0"/>
+          <a:chOff x="0" y="0"/>
+          <a:chExt cx="0" cy="0"/>
+        </a:xfrm>
+      </p:grpSpPr>
+      <p:sp>
+        <p:nvSpPr>
+          <p:cNvPr id="4" name="Title 3"/>
+          <p:cNvSpPr>
+            <a:spLocks noGrp="1"/>
+          </p:cNvSpPr>
+          <p:nvPr>
+            <p:ph type="title"/>
+          </p:nvPr>
+        </p:nvSpPr>
+        <p:spPr/>
+        <p:txBody>
+          <a:bodyPr/>
+          <a:lstStyle/>
+          <a:p>
+            <a:r>
+              <a:rPr lang="en-US" dirty="0" smtClean="0"/>
+              <a:t>What is it?</a:t>
+            </a:r>
+            <a:endParaRPr lang="en-US" dirty="0"/>
+          </a:p>
+        </p:txBody>
+      </p:sp>
+      <p:sp>
+        <p:nvSpPr>
+          <p:cNvPr id="5" name="Content Placeholder 4"/>
+          <p:cNvSpPr>
+            <a:spLocks noGrp="1"/>
+          </p:cNvSpPr>
+          <p:nvPr>
+            <p:ph idx="1"/>
+          </p:nvPr>
+        </p:nvSpPr>
+        <p:spPr/>
+        <p:txBody>
+          <a:bodyPr/>
+          <a:lstStyle/>
+          <a:p>
+            <a:r>
+              <a:rPr lang="en-US" dirty="0" smtClean="0"/>
+              <a:t>A classifier that:</a:t>
+            </a:r>
+          </a:p>
+          <a:p>
+            <a:endParaRPr lang="en-US" dirty="0" smtClean="0"/>
+          </a:p>
+          <a:p>
+            <a:r>
+              <a:rPr lang="en-US" dirty="0" smtClean="0"/>
+              <a:t>Can train on a small # of observations</a:t>
+            </a:r>
+          </a:p>
+          <a:p>
+            <a:r>
+              <a:rPr lang="en-US" dirty="0" smtClean="0"/>
+              <a:t>Assumes independence between features</a:t>
+            </a:r>
+          </a:p>
+          <a:p>
+            <a:r>
+              <a:rPr lang="en-US" dirty="0" smtClean="0"/>
+              <a:t>Simple to implement</a:t>
+            </a:r>
+          </a:p>
+        </p:txBody>
+      </p:sp>
+      <p:sp>
+        <p:nvSpPr>
+          <p:cNvPr id="6" name="TextBox 5"/>
+          <p:cNvSpPr txBox="1"/>
+          <p:nvPr/>
+        </p:nvSpPr>
+        <p:spPr>
+          <a:xfrm>
+            <a:off x="0" y="6488668"/>
+            <a:ext cx="4121641" cy="369332"/>
+          </a:xfrm>
+          <a:prstGeom prst="rect">
+            <a:avLst/>
+          </a:prstGeom>
+          <a:noFill/>
+        </p:spPr>
+        <p:txBody>
+          <a:bodyPr wrap="none" rtlCol="0">
+            <a:spAutoFit/>
+          </a:bodyPr>
+          <a:lstStyle/>
+          <a:p>
+            <a:r>
+              <a:rPr lang="en-US" dirty="0"/>
+              <a:t>http://</a:t>
+            </a:r>
+            <a:r>
+              <a:rPr lang="en-US" dirty="0" err="1"/>
+              <a:t>en.wikipedia.org</a:t>
+            </a:r>
+            <a:r>
+              <a:rPr lang="en-US" dirty="0"/>
+              <a:t>/wiki/</a:t>
+            </a:r>
+            <a:r>
+              <a:rPr lang="en-US" dirty="0" err="1"/>
+              <a:t>Naive_Bayes</a:t>
+            </a:r>
+            <a:endParaRPr lang="en-US" dirty="0"/>
+          </a:p>
+        </p:txBody>
+      </p:sp>
+    </p:spTree>
+    <p:extLst>
+      <p:ext uri="{BB962C8B-B14F-4D97-AF65-F5344CB8AC3E}">
+        <p14:creationId xmlns:p14="http://schemas.microsoft.com/office/powerpoint/2010/main" val="774447092"/>
+      </p:ext>
+    </p:extLst>
+  </p:cSld>
+  <p:clrMapOvr>
+    <a:masterClrMapping/>
+  </p:clrMapOvr>
+</p:sld>
+</file>
+
+<file path=ppt/slides/slide36.xml><?xml version="1.0" encoding="utf-8"?>
+<p:sld xmlns:a="http://schemas.openxmlformats.org/drawingml/2006/main" xmlns:r="http://schemas.openxmlformats.org/officeDocument/2006/relationships" xmlns:p="http://schemas.openxmlformats.org/presentationml/2006/main">
+  <p:cSld>
+    <p:spTree>
+      <p:nvGrpSpPr>
+        <p:cNvPr id="1" name=""/>
+        <p:cNvGrpSpPr/>
+        <p:nvPr/>
+      </p:nvGrpSpPr>
+      <p:grpSpPr>
+        <a:xfrm>
+          <a:off x="0" y="0"/>
+          <a:ext cx="0" cy="0"/>
+          <a:chOff x="0" y="0"/>
+          <a:chExt cx="0" cy="0"/>
+        </a:xfrm>
+      </p:grpSpPr>
+      <p:sp>
+        <p:nvSpPr>
+          <p:cNvPr id="2" name="Title 1"/>
+          <p:cNvSpPr>
+            <a:spLocks noGrp="1"/>
+          </p:cNvSpPr>
+          <p:nvPr>
+            <p:ph type="title"/>
+          </p:nvPr>
+        </p:nvSpPr>
+        <p:spPr/>
+        <p:txBody>
+          <a:bodyPr/>
+          <a:lstStyle/>
+          <a:p>
+            <a:r>
+              <a:rPr lang="en-US" dirty="0" smtClean="0"/>
+              <a:t>Applications</a:t>
+            </a:r>
+            <a:endParaRPr lang="en-US" dirty="0"/>
+          </a:p>
+        </p:txBody>
+      </p:sp>
+      <p:sp>
+        <p:nvSpPr>
+          <p:cNvPr id="3" name="Content Placeholder 2"/>
+          <p:cNvSpPr>
+            <a:spLocks noGrp="1"/>
+          </p:cNvSpPr>
+          <p:nvPr>
+            <p:ph idx="1"/>
+          </p:nvPr>
+        </p:nvSpPr>
+        <p:spPr/>
+        <p:txBody>
+          <a:bodyPr/>
+          <a:lstStyle/>
+          <a:p>
+            <a:r>
+              <a:rPr lang="en-US" dirty="0"/>
+              <a:t>Typically </a:t>
+            </a:r>
+            <a:r>
+              <a:rPr lang="en-US" i="1" dirty="0"/>
+              <a:t>K</a:t>
+            </a:r>
+            <a:r>
+              <a:rPr lang="en-US" dirty="0"/>
+              <a:t>=2-class classifiers</a:t>
+            </a:r>
+          </a:p>
+          <a:p>
+            <a:pPr lvl="1"/>
+            <a:r>
+              <a:rPr lang="en-US" i="1" dirty="0"/>
+              <a:t>K</a:t>
+            </a:r>
+            <a:r>
+              <a:rPr lang="en-US" dirty="0"/>
+              <a:t>&gt;2 possible</a:t>
+            </a:r>
+          </a:p>
+          <a:p>
+            <a:r>
+              <a:rPr lang="en-US" dirty="0"/>
+              <a:t>E.g.</a:t>
+            </a:r>
+          </a:p>
+          <a:p>
+            <a:pPr lvl="1"/>
+            <a:r>
+              <a:rPr lang="en-US" dirty="0"/>
+              <a:t>Spam vs. Non-spam</a:t>
+            </a:r>
+          </a:p>
+          <a:p>
+            <a:pPr lvl="1"/>
+            <a:r>
+              <a:rPr lang="en-US" dirty="0"/>
+              <a:t>Female vs. Male</a:t>
+            </a:r>
+          </a:p>
+          <a:p>
+            <a:pPr lvl="1"/>
+            <a:endParaRPr lang="en-US" dirty="0"/>
+          </a:p>
+          <a:p>
+            <a:endParaRPr lang="en-US" dirty="0"/>
+          </a:p>
+        </p:txBody>
+      </p:sp>
+    </p:spTree>
+    <p:extLst>
+      <p:ext uri="{BB962C8B-B14F-4D97-AF65-F5344CB8AC3E}">
+        <p14:creationId xmlns:p14="http://schemas.microsoft.com/office/powerpoint/2010/main" val="2440559901"/>
+      </p:ext>
+    </p:extLst>
+  </p:cSld>
+  <p:clrMapOvr>
+    <a:masterClrMapping/>
+  </p:clrMapOvr>
+</p:sld>
+</file>
+
+<file path=ppt/slides/slide37.xml><?xml version="1.0" encoding="utf-8"?>
+<p:sld xmlns:a="http://schemas.openxmlformats.org/drawingml/2006/main" xmlns:r="http://schemas.openxmlformats.org/officeDocument/2006/relationships" xmlns:p="http://schemas.openxmlformats.org/presentationml/2006/main">
+  <p:cSld>
+    <p:spTree>
+      <p:nvGrpSpPr>
+        <p:cNvPr id="1" name=""/>
+        <p:cNvGrpSpPr/>
+        <p:nvPr/>
+      </p:nvGrpSpPr>
+      <p:grpSpPr>
+        <a:xfrm>
+          <a:off x="0" y="0"/>
+          <a:ext cx="0" cy="0"/>
+          <a:chOff x="0" y="0"/>
+          <a:chExt cx="0" cy="0"/>
+        </a:xfrm>
+      </p:grpSpPr>
+      <p:sp>
+        <p:nvSpPr>
+          <p:cNvPr id="2" name="Title 1"/>
+          <p:cNvSpPr>
+            <a:spLocks noGrp="1"/>
+          </p:cNvSpPr>
+          <p:nvPr>
+            <p:ph type="title"/>
+          </p:nvPr>
+        </p:nvSpPr>
+        <p:spPr/>
+        <p:txBody>
+          <a:bodyPr/>
+          <a:lstStyle/>
+          <a:p>
+            <a:r>
+              <a:rPr lang="en-US" dirty="0" smtClean="0"/>
+              <a:t>Prior vs. Posterior Probabilities</a:t>
+            </a:r>
+            <a:endParaRPr lang="en-US" dirty="0"/>
+          </a:p>
+        </p:txBody>
+      </p:sp>
+      <p:sp>
+        <p:nvSpPr>
+          <p:cNvPr id="3" name="Content Placeholder 2"/>
+          <p:cNvSpPr>
+            <a:spLocks noGrp="1"/>
+          </p:cNvSpPr>
+          <p:nvPr>
+            <p:ph idx="1"/>
+          </p:nvPr>
+        </p:nvSpPr>
+        <p:spPr/>
+        <p:txBody>
+          <a:bodyPr/>
+          <a:lstStyle/>
+          <a:p>
+            <a:r>
+              <a:rPr lang="en-US" dirty="0" smtClean="0"/>
+              <a:t>Description vs. Prediction</a:t>
+            </a:r>
+            <a:endParaRPr lang="en-US" dirty="0"/>
+          </a:p>
+        </p:txBody>
+      </p:sp>
+    </p:spTree>
+    <p:extLst>
+      <p:ext uri="{BB962C8B-B14F-4D97-AF65-F5344CB8AC3E}">
+        <p14:creationId xmlns:p14="http://schemas.microsoft.com/office/powerpoint/2010/main" val="962200997"/>
+      </p:ext>
+    </p:extLst>
+  </p:cSld>
+  <p:clrMapOvr>
+    <a:masterClrMapping/>
+  </p:clrMapOvr>
+</p:sld>
+</file>
+
+<file path=ppt/slides/slide38.xml><?xml version="1.0" encoding="utf-8"?>
+<p:sld xmlns:a="http://schemas.openxmlformats.org/drawingml/2006/main" xmlns:r="http://schemas.openxmlformats.org/officeDocument/2006/relationships" xmlns:p="http://schemas.openxmlformats.org/presentationml/2006/main">
+  <p:cSld>
+    <p:spTree>
+      <p:nvGrpSpPr>
+        <p:cNvPr id="1" name=""/>
+        <p:cNvGrpSpPr/>
+        <p:nvPr/>
+      </p:nvGrpSpPr>
+      <p:grpSpPr>
+        <a:xfrm>
+          <a:off x="0" y="0"/>
+          <a:ext cx="0" cy="0"/>
+          <a:chOff x="0" y="0"/>
+          <a:chExt cx="0" cy="0"/>
+        </a:xfrm>
+      </p:grpSpPr>
+      <p:sp>
+        <p:nvSpPr>
+          <p:cNvPr id="4" name="Title 3"/>
+          <p:cNvSpPr>
+            <a:spLocks noGrp="1"/>
+          </p:cNvSpPr>
+          <p:nvPr>
+            <p:ph type="title"/>
+          </p:nvPr>
+        </p:nvSpPr>
+        <p:spPr/>
+        <p:txBody>
+          <a:bodyPr/>
+          <a:lstStyle/>
+          <a:p>
+            <a:r>
+              <a:rPr lang="en-US" dirty="0" smtClean="0"/>
+              <a:t>How does it work?</a:t>
+            </a:r>
+            <a:endParaRPr lang="en-US" dirty="0"/>
+          </a:p>
+        </p:txBody>
+      </p:sp>
+      <p:sp>
+        <p:nvSpPr>
+          <p:cNvPr id="5" name="Content Placeholder 4"/>
+          <p:cNvSpPr>
+            <a:spLocks noGrp="1"/>
+          </p:cNvSpPr>
+          <p:nvPr>
+            <p:ph idx="1"/>
+          </p:nvPr>
+        </p:nvSpPr>
+        <p:spPr/>
+        <p:txBody>
+          <a:bodyPr>
+            <a:normAutofit/>
+          </a:bodyPr>
+          <a:lstStyle/>
+          <a:p>
+            <a:r>
+              <a:rPr lang="en-US" dirty="0" smtClean="0"/>
+              <a:t>Given the prior probability of a class </a:t>
+            </a:r>
+            <a:r>
+              <a:rPr lang="en-US" i="1" dirty="0" smtClean="0"/>
+              <a:t>k</a:t>
+            </a:r>
+            <a:r>
+              <a:rPr lang="en-US" dirty="0" smtClean="0"/>
+              <a:t> in </a:t>
+            </a:r>
+            <a:r>
+              <a:rPr lang="en-US" i="1" dirty="0" smtClean="0"/>
+              <a:t>K</a:t>
+            </a:r>
+            <a:endParaRPr lang="en-US" dirty="0" smtClean="0"/>
+          </a:p>
+          <a:p>
+            <a:r>
+              <a:rPr lang="en-US" dirty="0" smtClean="0"/>
+              <a:t>…the prior probabilities of </a:t>
+            </a:r>
+            <a:r>
+              <a:rPr lang="en-US" i="1" dirty="0" smtClean="0"/>
+              <a:t>N</a:t>
+            </a:r>
+            <a:r>
+              <a:rPr lang="en-US" dirty="0" smtClean="0"/>
+              <a:t> object features</a:t>
+            </a:r>
+          </a:p>
+          <a:p>
+            <a:r>
+              <a:rPr lang="en-US" dirty="0" smtClean="0"/>
+              <a:t>…and their associations with </a:t>
+            </a:r>
+            <a:r>
+              <a:rPr lang="en-US" i="1" dirty="0" smtClean="0"/>
+              <a:t>k</a:t>
+            </a:r>
+          </a:p>
+          <a:p>
+            <a:r>
+              <a:rPr lang="en-US" dirty="0" smtClean="0"/>
+              <a:t>Calculate the posterior probability that a given object belongs to class </a:t>
+            </a:r>
+            <a:r>
+              <a:rPr lang="en-US" i="1" dirty="0" smtClean="0"/>
+              <a:t>k</a:t>
+            </a:r>
+          </a:p>
+          <a:p>
+            <a:endParaRPr lang="en-US" dirty="0" smtClean="0"/>
+          </a:p>
+          <a:p>
+            <a:r>
+              <a:rPr lang="en-US" dirty="0" smtClean="0"/>
+              <a:t>Easier to work through an example</a:t>
+            </a:r>
+          </a:p>
+          <a:p>
+            <a:pPr lvl="1"/>
+            <a:r>
+              <a:rPr lang="en-US" dirty="0">
+                <a:hlinkClick r:id="rId2"/>
+              </a:rPr>
+              <a:t>http://bit.ly/</a:t>
+            </a:r>
+            <a:r>
+              <a:rPr lang="en-US" dirty="0" smtClean="0">
+                <a:hlinkClick r:id="rId2"/>
+              </a:rPr>
+              <a:t>10alkWY</a:t>
+            </a:r>
+            <a:endParaRPr lang="en-US" dirty="0" smtClean="0"/>
+          </a:p>
+          <a:p>
+            <a:pPr lvl="1"/>
+            <a:endParaRPr lang="en-US" dirty="0" smtClean="0"/>
+          </a:p>
+        </p:txBody>
+      </p:sp>
+      <p:sp>
+        <p:nvSpPr>
+          <p:cNvPr id="6" name="TextBox 5"/>
+          <p:cNvSpPr txBox="1"/>
+          <p:nvPr/>
+        </p:nvSpPr>
+        <p:spPr>
+          <a:xfrm>
+            <a:off x="0" y="6488668"/>
+            <a:ext cx="4121641" cy="369332"/>
+          </a:xfrm>
+          <a:prstGeom prst="rect">
+            <a:avLst/>
+          </a:prstGeom>
+          <a:noFill/>
+        </p:spPr>
+        <p:txBody>
+          <a:bodyPr wrap="none" rtlCol="0">
+            <a:spAutoFit/>
+          </a:bodyPr>
+          <a:lstStyle/>
+          <a:p>
+            <a:r>
+              <a:rPr lang="en-US" dirty="0"/>
+              <a:t>http://</a:t>
+            </a:r>
+            <a:r>
+              <a:rPr lang="en-US" dirty="0" err="1"/>
+              <a:t>en.wikipedia.org</a:t>
+            </a:r>
+            <a:r>
+              <a:rPr lang="en-US" dirty="0"/>
+              <a:t>/wiki/</a:t>
+            </a:r>
+            <a:r>
+              <a:rPr lang="en-US" dirty="0" err="1"/>
+              <a:t>Naive_Bayes</a:t>
+            </a:r>
+            <a:endParaRPr lang="en-US" dirty="0"/>
+          </a:p>
+        </p:txBody>
+      </p:sp>
+    </p:spTree>
+    <p:extLst>
+      <p:ext uri="{BB962C8B-B14F-4D97-AF65-F5344CB8AC3E}">
+        <p14:creationId xmlns:p14="http://schemas.microsoft.com/office/powerpoint/2010/main" val="1604246178"/>
+      </p:ext>
+    </p:extLst>
+  </p:cSld>
+  <p:clrMapOvr>
+    <a:masterClrMapping/>
+  </p:clrMapOvr>
+</p:sld>
+</file>
+
+<file path=ppt/slides/slide39.xml><?xml version="1.0" encoding="utf-8"?>
+<p:sld xmlns:a="http://schemas.openxmlformats.org/drawingml/2006/main" xmlns:r="http://schemas.openxmlformats.org/officeDocument/2006/relationships" xmlns:p="http://schemas.openxmlformats.org/presentationml/2006/main">
+  <p:cSld>
+    <p:spTree>
+      <p:nvGrpSpPr>
+        <p:cNvPr id="1" name=""/>
+        <p:cNvGrpSpPr/>
+        <p:nvPr/>
+      </p:nvGrpSpPr>
+      <p:grpSpPr>
+        <a:xfrm>
+          <a:off x="0" y="0"/>
+          <a:ext cx="0" cy="0"/>
+          <a:chOff x="0" y="0"/>
+          <a:chExt cx="0" cy="0"/>
+        </a:xfrm>
+      </p:grpSpPr>
+      <p:sp>
+        <p:nvSpPr>
+          <p:cNvPr id="4" name="Title 3"/>
+          <p:cNvSpPr>
+            <a:spLocks noGrp="1"/>
+          </p:cNvSpPr>
+          <p:nvPr>
+            <p:ph type="title"/>
+          </p:nvPr>
+        </p:nvSpPr>
+        <p:spPr/>
+        <p:txBody>
+          <a:bodyPr/>
+          <a:lstStyle/>
+          <a:p>
+            <a:r>
+              <a:rPr lang="en-US" dirty="0" smtClean="0"/>
+              <a:t>Making Best use of Data</a:t>
+            </a:r>
+            <a:endParaRPr lang="en-US" dirty="0"/>
+          </a:p>
+        </p:txBody>
+      </p:sp>
+      <p:sp>
+        <p:nvSpPr>
+          <p:cNvPr id="5" name="Content Placeholder 4"/>
+          <p:cNvSpPr>
+            <a:spLocks noGrp="1"/>
+          </p:cNvSpPr>
+          <p:nvPr>
+            <p:ph idx="1"/>
+          </p:nvPr>
+        </p:nvSpPr>
+        <p:spPr/>
+        <p:txBody>
+          <a:bodyPr>
+            <a:normAutofit/>
+          </a:bodyPr>
+          <a:lstStyle/>
+          <a:p>
+            <a:r>
+              <a:rPr lang="en-US" dirty="0" smtClean="0"/>
+              <a:t>Train vs. Test</a:t>
+            </a:r>
+          </a:p>
+          <a:p>
+            <a:r>
+              <a:rPr lang="en-US" dirty="0" smtClean="0"/>
+              <a:t>Cross-validation</a:t>
+            </a:r>
+          </a:p>
+          <a:p>
+            <a:r>
+              <a:rPr lang="en-US" dirty="0" smtClean="0"/>
+              <a:t>ROC</a:t>
+            </a:r>
+            <a:br>
+              <a:rPr lang="en-US" dirty="0" smtClean="0"/>
+            </a:br>
+            <a:r>
+              <a:rPr lang="en-US" dirty="0" smtClean="0"/>
+              <a:t>Ensembles</a:t>
+            </a:r>
+          </a:p>
+          <a:p>
+            <a:pPr lvl="1"/>
+            <a:endParaRPr lang="en-US" dirty="0" smtClean="0"/>
+          </a:p>
+        </p:txBody>
+      </p:sp>
+      <p:sp>
+        <p:nvSpPr>
+          <p:cNvPr id="6" name="TextBox 5"/>
+          <p:cNvSpPr txBox="1"/>
+          <p:nvPr/>
+        </p:nvSpPr>
+        <p:spPr>
+          <a:xfrm>
+            <a:off x="0" y="6488668"/>
+            <a:ext cx="4121641" cy="369332"/>
+          </a:xfrm>
+          <a:prstGeom prst="rect">
+            <a:avLst/>
+          </a:prstGeom>
+          <a:noFill/>
+        </p:spPr>
+        <p:txBody>
+          <a:bodyPr wrap="none" rtlCol="0">
+            <a:spAutoFit/>
+          </a:bodyPr>
+          <a:lstStyle/>
+          <a:p>
+            <a:r>
+              <a:rPr lang="en-US" dirty="0"/>
+              <a:t>http://</a:t>
+            </a:r>
+            <a:r>
+              <a:rPr lang="en-US" dirty="0" err="1"/>
+              <a:t>en.wikipedia.org</a:t>
+            </a:r>
+            <a:r>
+              <a:rPr lang="en-US" dirty="0"/>
+              <a:t>/wiki/</a:t>
+            </a:r>
+            <a:r>
+              <a:rPr lang="en-US" dirty="0" err="1"/>
+              <a:t>Naive_Bayes</a:t>
+            </a:r>
+            <a:endParaRPr lang="en-US" dirty="0"/>
+          </a:p>
+        </p:txBody>
+      </p:sp>
+    </p:spTree>
+    <p:extLst>
+      <p:ext uri="{BB962C8B-B14F-4D97-AF65-F5344CB8AC3E}">
+        <p14:creationId xmlns:p14="http://schemas.microsoft.com/office/powerpoint/2010/main" val="451405282"/>
+      </p:ext>
+    </p:extLst>
+  </p:cSld>
+  <p:clrMapOvr>
+    <a:masterClrMapping/>
+  </p:clrMapOvr>
 </p:sld>
 </file>
 
@@ -14028,6 +14094,212 @@
   <p:clrMapOvr>
     <a:masterClrMapping/>
   </p:clrMapOvr>
+  <p:timing>
+    <p:tnLst>
+      <p:par>
+        <p:cTn xmlns:p14="http://schemas.microsoft.com/office/powerpoint/2010/main" id="1" dur="indefinite" restart="never" nodeType="tmRoot"/>
+      </p:par>
+    </p:tnLst>
+  </p:timing>
+</p:sld>
+</file>
+
+<file path=ppt/slides/slide40.xml><?xml version="1.0" encoding="utf-8"?>
+<p:sld xmlns:a="http://schemas.openxmlformats.org/drawingml/2006/main" xmlns:r="http://schemas.openxmlformats.org/officeDocument/2006/relationships" xmlns:p="http://schemas.openxmlformats.org/presentationml/2006/main">
+  <p:cSld>
+    <p:spTree>
+      <p:nvGrpSpPr>
+        <p:cNvPr id="1" name=""/>
+        <p:cNvGrpSpPr/>
+        <p:nvPr/>
+      </p:nvGrpSpPr>
+      <p:grpSpPr>
+        <a:xfrm>
+          <a:off x="0" y="0"/>
+          <a:ext cx="0" cy="0"/>
+          <a:chOff x="0" y="0"/>
+          <a:chExt cx="0" cy="0"/>
+        </a:xfrm>
+      </p:grpSpPr>
+      <p:sp>
+        <p:nvSpPr>
+          <p:cNvPr id="2" name="Title 1"/>
+          <p:cNvSpPr>
+            <a:spLocks noGrp="1"/>
+          </p:cNvSpPr>
+          <p:nvPr>
+            <p:ph type="ctrTitle"/>
+          </p:nvPr>
+        </p:nvSpPr>
+        <p:spPr/>
+        <p:txBody>
+          <a:bodyPr/>
+          <a:lstStyle/>
+          <a:p>
+            <a:endParaRPr lang="en-US" dirty="0"/>
+          </a:p>
+        </p:txBody>
+      </p:sp>
+      <p:sp>
+        <p:nvSpPr>
+          <p:cNvPr id="3" name="Subtitle 2"/>
+          <p:cNvSpPr>
+            <a:spLocks noGrp="1"/>
+          </p:cNvSpPr>
+          <p:nvPr>
+            <p:ph type="subTitle" idx="1"/>
+          </p:nvPr>
+        </p:nvSpPr>
+        <p:spPr/>
+        <p:txBody>
+          <a:bodyPr/>
+          <a:lstStyle/>
+          <a:p>
+            <a:endParaRPr lang="en-US" dirty="0"/>
+          </a:p>
+        </p:txBody>
+      </p:sp>
+      <p:sp>
+        <p:nvSpPr>
+          <p:cNvPr id="4" name="Rectangle 3"/>
+          <p:cNvSpPr/>
+          <p:nvPr/>
+        </p:nvSpPr>
+        <p:spPr>
+          <a:xfrm>
+            <a:off x="0" y="0"/>
+            <a:ext cx="9144000" cy="6858000"/>
+          </a:xfrm>
+          <a:prstGeom prst="rect">
+            <a:avLst/>
+          </a:prstGeom>
+          <a:solidFill>
+            <a:schemeClr val="tx1"/>
+          </a:solidFill>
+          <a:ln>
+            <a:noFill/>
+          </a:ln>
+        </p:spPr>
+        <p:style>
+          <a:lnRef idx="1">
+            <a:schemeClr val="accent1"/>
+          </a:lnRef>
+          <a:fillRef idx="3">
+            <a:schemeClr val="accent1"/>
+          </a:fillRef>
+          <a:effectRef idx="2">
+            <a:schemeClr val="accent1"/>
+          </a:effectRef>
+          <a:fontRef idx="minor">
+            <a:schemeClr val="lt1"/>
+          </a:fontRef>
+        </p:style>
+        <p:txBody>
+          <a:bodyPr rtlCol="0" anchor="ctr"/>
+          <a:lstStyle/>
+          <a:p>
+            <a:pPr algn="ctr"/>
+            <a:endParaRPr lang="en-US"/>
+          </a:p>
+        </p:txBody>
+      </p:sp>
+    </p:spTree>
+    <p:extLst>
+      <p:ext uri="{BB962C8B-B14F-4D97-AF65-F5344CB8AC3E}">
+        <p14:creationId xmlns:p14="http://schemas.microsoft.com/office/powerpoint/2010/main" val="906365120"/>
+      </p:ext>
+    </p:extLst>
+  </p:cSld>
+  <p:clrMapOvr>
+    <a:masterClrMapping/>
+  </p:clrMapOvr>
+  <p:timing>
+    <p:tnLst>
+      <p:par>
+        <p:cTn xmlns:p14="http://schemas.microsoft.com/office/powerpoint/2010/main" id="1" dur="indefinite" restart="never" nodeType="tmRoot"/>
+      </p:par>
+    </p:tnLst>
+  </p:timing>
+</p:sld>
+</file>
+
+<file path=ppt/slides/slide41.xml><?xml version="1.0" encoding="utf-8"?>
+<p:sld xmlns:a="http://schemas.openxmlformats.org/drawingml/2006/main" xmlns:r="http://schemas.openxmlformats.org/officeDocument/2006/relationships" xmlns:p="http://schemas.openxmlformats.org/presentationml/2006/main" show="0">
+  <p:cSld>
+    <p:spTree>
+      <p:nvGrpSpPr>
+        <p:cNvPr id="1" name=""/>
+        <p:cNvGrpSpPr/>
+        <p:nvPr/>
+      </p:nvGrpSpPr>
+      <p:grpSpPr>
+        <a:xfrm>
+          <a:off x="0" y="0"/>
+          <a:ext cx="0" cy="0"/>
+          <a:chOff x="0" y="0"/>
+          <a:chExt cx="0" cy="0"/>
+        </a:xfrm>
+      </p:grpSpPr>
+      <p:sp>
+        <p:nvSpPr>
+          <p:cNvPr id="4" name="Title 3"/>
+          <p:cNvSpPr>
+            <a:spLocks noGrp="1"/>
+          </p:cNvSpPr>
+          <p:nvPr>
+            <p:ph type="title"/>
+          </p:nvPr>
+        </p:nvSpPr>
+        <p:spPr/>
+        <p:txBody>
+          <a:bodyPr/>
+          <a:lstStyle/>
+          <a:p>
+            <a:r>
+              <a:rPr lang="en-US" dirty="0" smtClean="0"/>
+              <a:t>Hierarchical Clustering</a:t>
+            </a:r>
+            <a:endParaRPr lang="en-US" dirty="0"/>
+          </a:p>
+        </p:txBody>
+      </p:sp>
+      <p:sp>
+        <p:nvSpPr>
+          <p:cNvPr id="5" name="Text Placeholder 4"/>
+          <p:cNvSpPr>
+            <a:spLocks noGrp="1"/>
+          </p:cNvSpPr>
+          <p:nvPr>
+            <p:ph type="body" idx="1"/>
+          </p:nvPr>
+        </p:nvSpPr>
+        <p:spPr/>
+        <p:txBody>
+          <a:bodyPr/>
+          <a:lstStyle/>
+          <a:p>
+            <a:endParaRPr lang="en-US" dirty="0"/>
+          </a:p>
+        </p:txBody>
+      </p:sp>
+    </p:spTree>
+    <p:extLst>
+      <p:ext uri="{BB962C8B-B14F-4D97-AF65-F5344CB8AC3E}">
+        <p14:creationId xmlns:p14="http://schemas.microsoft.com/office/powerpoint/2010/main" val="369323475"/>
+      </p:ext>
+    </p:extLst>
+  </p:cSld>
+  <p:clrMapOvr>
+    <a:masterClrMapping/>
+  </p:clrMapOvr>
+  <mc:AlternateContent xmlns:mc="http://schemas.openxmlformats.org/markup-compatibility/2006">
+    <mc:Choice xmlns:p14="http://schemas.microsoft.com/office/powerpoint/2010/main" Requires="p14">
+      <p:transition spd="slow" p14:dur="2000"/>
+    </mc:Choice>
+    <mc:Fallback>
+      <p:transition xmlns:p14="http://schemas.microsoft.com/office/powerpoint/2010/main" spd="slow"/>
+    </mc:Fallback>
+  </mc:AlternateContent>
   <p:timing>
     <p:tnLst>
       <p:par>
@@ -14739,6 +15011,13 @@
   <p:clrMapOvr>
     <a:masterClrMapping/>
   </p:clrMapOvr>
+  <p:timing>
+    <p:tnLst>
+      <p:par>
+        <p:cTn xmlns:p14="http://schemas.microsoft.com/office/powerpoint/2010/main" id="1" dur="indefinite" restart="never" nodeType="tmRoot"/>
+      </p:par>
+    </p:tnLst>
+  </p:timing>
 </p:sld>
 </file>
 
@@ -15073,6 +15352,13 @@
   <p:clrMapOvr>
     <a:masterClrMapping/>
   </p:clrMapOvr>
+  <p:timing>
+    <p:tnLst>
+      <p:par>
+        <p:cTn xmlns:p14="http://schemas.microsoft.com/office/powerpoint/2010/main" id="1" dur="indefinite" restart="never" nodeType="tmRoot"/>
+      </p:par>
+    </p:tnLst>
+  </p:timing>
 </p:sld>
 </file>
 
@@ -15698,7 +15984,7 @@
           <p:nvPr>
             <p:extLst>
               <p:ext uri="{D42A27DB-BD31-4B8C-83A1-F6EECF244321}">
-                <p14:modId xmlns:p14="http://schemas.microsoft.com/office/powerpoint/2010/main" val="511328416"/>
+                <p14:modId xmlns:p14="http://schemas.microsoft.com/office/powerpoint/2010/main" val="1661673877"/>
               </p:ext>
             </p:extLst>
           </p:nvPr>
@@ -15893,7 +16179,7 @@
                     <a:p>
                       <a:r>
                         <a:rPr lang="en-US" dirty="0" smtClean="0"/>
-                        <a:t>24/27 * 3/3</a:t>
+                        <a:t>24/27 * log(3/3)</a:t>
                       </a:r>
                       <a:endParaRPr lang="en-US" dirty="0"/>
                     </a:p>
